--- a/_release/bitmap/BitMap介绍&应用.pptx
+++ b/_release/bitmap/BitMap介绍&应用.pptx
@@ -8,9 +8,12 @@
     <p:sldId id="256" r:id="rId2"/>
     <p:sldId id="257" r:id="rId3"/>
     <p:sldId id="258" r:id="rId4"/>
-    <p:sldId id="259" r:id="rId5"/>
-    <p:sldId id="260" r:id="rId6"/>
-    <p:sldId id="261" r:id="rId7"/>
+    <p:sldId id="264" r:id="rId5"/>
+    <p:sldId id="259" r:id="rId6"/>
+    <p:sldId id="262" r:id="rId7"/>
+    <p:sldId id="260" r:id="rId8"/>
+    <p:sldId id="261" r:id="rId9"/>
+    <p:sldId id="263" r:id="rId10"/>
   </p:sldIdLst>
   <p:sldSz cx="9144000" cy="6858000" type="screen4x3"/>
   <p:notesSz cx="6858000" cy="9144000"/>
@@ -293,7 +296,7 @@
           <a:p>
             <a:fld id="{199E370D-7F16-B748-AA5C-A503404ECA12}" type="datetimeFigureOut">
               <a:rPr kumimoji="1" lang="zh-CN" altLang="en-US" smtClean="0"/>
-              <a:t>12-6-18</a:t>
+              <a:t>12-6-21</a:t>
             </a:fld>
             <a:endParaRPr kumimoji="1" lang="zh-CN" altLang="en-US"/>
           </a:p>
@@ -463,7 +466,7 @@
           <a:p>
             <a:fld id="{199E370D-7F16-B748-AA5C-A503404ECA12}" type="datetimeFigureOut">
               <a:rPr kumimoji="1" lang="zh-CN" altLang="en-US" smtClean="0"/>
-              <a:t>12-6-18</a:t>
+              <a:t>12-6-21</a:t>
             </a:fld>
             <a:endParaRPr kumimoji="1" lang="zh-CN" altLang="en-US"/>
           </a:p>
@@ -643,7 +646,7 @@
           <a:p>
             <a:fld id="{199E370D-7F16-B748-AA5C-A503404ECA12}" type="datetimeFigureOut">
               <a:rPr kumimoji="1" lang="zh-CN" altLang="en-US" smtClean="0"/>
-              <a:t>12-6-18</a:t>
+              <a:t>12-6-21</a:t>
             </a:fld>
             <a:endParaRPr kumimoji="1" lang="zh-CN" altLang="en-US"/>
           </a:p>
@@ -813,7 +816,7 @@
           <a:p>
             <a:fld id="{199E370D-7F16-B748-AA5C-A503404ECA12}" type="datetimeFigureOut">
               <a:rPr kumimoji="1" lang="zh-CN" altLang="en-US" smtClean="0"/>
-              <a:t>12-6-18</a:t>
+              <a:t>12-6-21</a:t>
             </a:fld>
             <a:endParaRPr kumimoji="1" lang="zh-CN" altLang="en-US"/>
           </a:p>
@@ -1059,7 +1062,7 @@
           <a:p>
             <a:fld id="{199E370D-7F16-B748-AA5C-A503404ECA12}" type="datetimeFigureOut">
               <a:rPr kumimoji="1" lang="zh-CN" altLang="en-US" smtClean="0"/>
-              <a:t>12-6-18</a:t>
+              <a:t>12-6-21</a:t>
             </a:fld>
             <a:endParaRPr kumimoji="1" lang="zh-CN" altLang="en-US"/>
           </a:p>
@@ -1347,7 +1350,7 @@
           <a:p>
             <a:fld id="{199E370D-7F16-B748-AA5C-A503404ECA12}" type="datetimeFigureOut">
               <a:rPr kumimoji="1" lang="zh-CN" altLang="en-US" smtClean="0"/>
-              <a:t>12-6-18</a:t>
+              <a:t>12-6-21</a:t>
             </a:fld>
             <a:endParaRPr kumimoji="1" lang="zh-CN" altLang="en-US"/>
           </a:p>
@@ -1769,7 +1772,7 @@
           <a:p>
             <a:fld id="{199E370D-7F16-B748-AA5C-A503404ECA12}" type="datetimeFigureOut">
               <a:rPr kumimoji="1" lang="zh-CN" altLang="en-US" smtClean="0"/>
-              <a:t>12-6-18</a:t>
+              <a:t>12-6-21</a:t>
             </a:fld>
             <a:endParaRPr kumimoji="1" lang="zh-CN" altLang="en-US"/>
           </a:p>
@@ -1887,7 +1890,7 @@
           <a:p>
             <a:fld id="{199E370D-7F16-B748-AA5C-A503404ECA12}" type="datetimeFigureOut">
               <a:rPr kumimoji="1" lang="zh-CN" altLang="en-US" smtClean="0"/>
-              <a:t>12-6-18</a:t>
+              <a:t>12-6-21</a:t>
             </a:fld>
             <a:endParaRPr kumimoji="1" lang="zh-CN" altLang="en-US"/>
           </a:p>
@@ -1982,7 +1985,7 @@
           <a:p>
             <a:fld id="{199E370D-7F16-B748-AA5C-A503404ECA12}" type="datetimeFigureOut">
               <a:rPr kumimoji="1" lang="zh-CN" altLang="en-US" smtClean="0"/>
-              <a:t>12-6-18</a:t>
+              <a:t>12-6-21</a:t>
             </a:fld>
             <a:endParaRPr kumimoji="1" lang="zh-CN" altLang="en-US"/>
           </a:p>
@@ -2259,7 +2262,7 @@
           <a:p>
             <a:fld id="{199E370D-7F16-B748-AA5C-A503404ECA12}" type="datetimeFigureOut">
               <a:rPr kumimoji="1" lang="zh-CN" altLang="en-US" smtClean="0"/>
-              <a:t>12-6-18</a:t>
+              <a:t>12-6-21</a:t>
             </a:fld>
             <a:endParaRPr kumimoji="1" lang="zh-CN" altLang="en-US"/>
           </a:p>
@@ -2512,7 +2515,7 @@
           <a:p>
             <a:fld id="{199E370D-7F16-B748-AA5C-A503404ECA12}" type="datetimeFigureOut">
               <a:rPr kumimoji="1" lang="zh-CN" altLang="en-US" smtClean="0"/>
-              <a:t>12-6-18</a:t>
+              <a:t>12-6-21</a:t>
             </a:fld>
             <a:endParaRPr kumimoji="1" lang="zh-CN" altLang="en-US"/>
           </a:p>
@@ -2725,7 +2728,7 @@
           <a:p>
             <a:fld id="{199E370D-7F16-B748-AA5C-A503404ECA12}" type="datetimeFigureOut">
               <a:rPr kumimoji="1" lang="zh-CN" altLang="en-US" smtClean="0"/>
-              <a:t>12-6-18</a:t>
+              <a:t>12-6-21</a:t>
             </a:fld>
             <a:endParaRPr kumimoji="1" lang="zh-CN" altLang="en-US"/>
           </a:p>
@@ -3231,18 +3234,10 @@
           <a:lstStyle/>
           <a:p>
             <a:r>
-              <a:rPr kumimoji="1" lang="zh-CN" altLang="en-US" dirty="0" smtClean="0">
-                <a:solidFill>
-                  <a:srgbClr val="FF0000"/>
-                </a:solidFill>
-              </a:rPr>
+              <a:rPr kumimoji="1" lang="zh-CN" altLang="en-US" dirty="0" smtClean="0"/>
               <a:t>应用场景</a:t>
             </a:r>
-            <a:endParaRPr kumimoji="1" lang="en-US" altLang="zh-CN" dirty="0" smtClean="0">
-              <a:solidFill>
-                <a:srgbClr val="FF0000"/>
-              </a:solidFill>
-            </a:endParaRPr>
+            <a:endParaRPr kumimoji="1" lang="en-US" altLang="zh-CN" dirty="0" smtClean="0"/>
           </a:p>
           <a:p>
             <a:r>
@@ -3321,7 +3316,7 @@
             <a:pPr algn="l"/>
             <a:r>
               <a:rPr kumimoji="1" lang="zh-CN" altLang="en-US" dirty="0" smtClean="0"/>
-              <a:t>应用场景</a:t>
+              <a:t>为什么要用？</a:t>
             </a:r>
             <a:endParaRPr kumimoji="1" lang="zh-CN" altLang="en-US" dirty="0"/>
           </a:p>
@@ -3342,77 +3337,94 @@
           <a:bodyPr/>
           <a:lstStyle/>
           <a:p>
+            <a:pPr marL="342900" lvl="1" indent="-342900">
+              <a:buFont typeface="Arial"/>
+              <a:buChar char="•"/>
+            </a:pPr>
+            <a:r>
+              <a:rPr kumimoji="1" lang="zh-CN" altLang="en-US" dirty="0"/>
+              <a:t>内存中记录</a:t>
+            </a:r>
+            <a:r>
+              <a:rPr kumimoji="1" lang="en-US" altLang="zh-CN" dirty="0"/>
+              <a:t>QQ</a:t>
+            </a:r>
             <a:r>
               <a:rPr kumimoji="1" lang="zh-CN" altLang="en-US" dirty="0" smtClean="0"/>
-              <a:t>大数据标志位</a:t>
+              <a:t>点亮</a:t>
+            </a:r>
+            <a:r>
+              <a:rPr kumimoji="1" lang="zh-CN" altLang="en-US" dirty="0" smtClean="0"/>
+              <a:t>标志位</a:t>
             </a:r>
             <a:endParaRPr kumimoji="1" lang="en-US" altLang="zh-CN" dirty="0" smtClean="0"/>
           </a:p>
           <a:p>
+            <a:pPr marL="742950" lvl="2" indent="-342900"/>
             <a:r>
               <a:rPr kumimoji="1" lang="zh-CN" altLang="en-US" dirty="0" smtClean="0"/>
-              <a:t>在索引，数据压缩等方面有广泛应用</a:t>
+              <a:t>速度要求</a:t>
             </a:r>
             <a:endParaRPr kumimoji="1" lang="en-US" altLang="zh-CN" dirty="0" smtClean="0"/>
           </a:p>
           <a:p>
+            <a:pPr marL="742950" lvl="2" indent="-342900"/>
             <a:r>
               <a:rPr kumimoji="1" lang="zh-CN" altLang="en-US" dirty="0" smtClean="0"/>
-              <a:t>例如：</a:t>
-            </a:r>
-            <a:endParaRPr kumimoji="1" lang="en-US" altLang="zh-CN" dirty="0" smtClean="0"/>
-          </a:p>
-          <a:p>
-            <a:pPr lvl="1"/>
+              <a:t>数量要求：千万级</a:t>
+            </a:r>
+            <a:r>
+              <a:rPr kumimoji="1" lang="zh-CN" altLang="zh-CN" dirty="0"/>
+              <a:t>、</a:t>
+            </a:r>
             <a:r>
               <a:rPr kumimoji="1" lang="zh-CN" altLang="en-US" dirty="0" smtClean="0"/>
-              <a:t>内存中记录</a:t>
-            </a:r>
-            <a:r>
-              <a:rPr kumimoji="1" lang="en-US" altLang="zh-CN" dirty="0" smtClean="0"/>
-              <a:t>QQ</a:t>
+              <a:t>亿纪</a:t>
+            </a:r>
+            <a:endParaRPr kumimoji="1" lang="en-US" altLang="zh-CN" dirty="0"/>
+          </a:p>
+          <a:p>
+            <a:pPr marL="342900" lvl="1" indent="-342900">
+              <a:buFont typeface="Arial"/>
+              <a:buChar char="•"/>
+            </a:pPr>
+            <a:r>
+              <a:rPr kumimoji="1" lang="zh-CN" altLang="en-US" dirty="0"/>
+              <a:t>给</a:t>
+            </a:r>
+            <a:r>
+              <a:rPr kumimoji="1" lang="en-US" altLang="zh-CN" dirty="0"/>
+              <a:t>40</a:t>
+            </a:r>
+            <a:r>
+              <a:rPr kumimoji="1" lang="zh-CN" altLang="en-US" dirty="0"/>
+              <a:t>亿个不重复的</a:t>
+            </a:r>
+            <a:r>
+              <a:rPr kumimoji="1" lang="en-US" altLang="zh-CN" dirty="0"/>
+              <a:t>unsigned </a:t>
+            </a:r>
+            <a:r>
+              <a:rPr kumimoji="1" lang="en-US" altLang="zh-CN" dirty="0" err="1"/>
+              <a:t>int</a:t>
+            </a:r>
+            <a:r>
+              <a:rPr kumimoji="1" lang="zh-CN" altLang="en-US" dirty="0"/>
+              <a:t>的整数，没排过序的，然后再给一个数，如何快速判断这个数是否在那</a:t>
+            </a:r>
+            <a:r>
+              <a:rPr kumimoji="1" lang="en-US" altLang="zh-CN" dirty="0"/>
+              <a:t>40</a:t>
+            </a:r>
+            <a:r>
+              <a:rPr kumimoji="1" lang="zh-CN" altLang="en-US" dirty="0"/>
+              <a:t>亿个数当中</a:t>
             </a:r>
             <a:r>
               <a:rPr kumimoji="1" lang="zh-CN" altLang="en-US" dirty="0" smtClean="0"/>
-              <a:t>点亮数据</a:t>
-            </a:r>
-            <a:endParaRPr kumimoji="1" lang="en-US" altLang="zh-CN" dirty="0" smtClean="0"/>
-          </a:p>
-          <a:p>
-            <a:pPr lvl="1"/>
-            <a:r>
-              <a:rPr kumimoji="1" lang="zh-CN" altLang="en-US" dirty="0" smtClean="0"/>
-              <a:t>给</a:t>
-            </a:r>
-            <a:r>
-              <a:rPr kumimoji="1" lang="en-US" altLang="zh-CN" dirty="0" smtClean="0"/>
-              <a:t>40</a:t>
-            </a:r>
-            <a:r>
-              <a:rPr kumimoji="1" lang="zh-CN" altLang="en-US" dirty="0" smtClean="0"/>
-              <a:t>亿个不重复的</a:t>
-            </a:r>
-            <a:r>
-              <a:rPr kumimoji="1" lang="en-US" altLang="zh-CN" dirty="0" smtClean="0"/>
-              <a:t>unsigned </a:t>
-            </a:r>
-            <a:r>
-              <a:rPr kumimoji="1" lang="en-US" altLang="zh-CN" dirty="0" err="1" smtClean="0"/>
-              <a:t>int</a:t>
-            </a:r>
-            <a:r>
-              <a:rPr kumimoji="1" lang="zh-CN" altLang="en-US" dirty="0" smtClean="0"/>
-              <a:t>的整数，没排过序的，然后再给一个数，如何快速判断这个数是否在那</a:t>
-            </a:r>
-            <a:r>
-              <a:rPr kumimoji="1" lang="en-US" altLang="zh-CN" dirty="0" smtClean="0"/>
-              <a:t>40</a:t>
-            </a:r>
-            <a:r>
-              <a:rPr kumimoji="1" lang="zh-CN" altLang="en-US" dirty="0" smtClean="0"/>
-              <a:t>亿个数当中？</a:t>
-            </a:r>
-            <a:endParaRPr kumimoji="1" lang="en-US" altLang="zh-CN" dirty="0" smtClean="0"/>
+              <a:t>？</a:t>
+            </a:r>
+            <a:endParaRPr kumimoji="1" lang="en-US" altLang="zh-CN" dirty="0"/>
           </a:p>
         </p:txBody>
       </p:sp>
@@ -3471,7 +3483,7 @@
             <a:pPr algn="l"/>
             <a:r>
               <a:rPr kumimoji="1" lang="zh-CN" altLang="en-US" dirty="0" smtClean="0"/>
-              <a:t>实现方法</a:t>
+              <a:t>为什么要用？</a:t>
             </a:r>
             <a:endParaRPr kumimoji="1" lang="zh-CN" altLang="en-US" dirty="0"/>
           </a:p>
@@ -3494,7 +3506,7 @@
           <a:p>
             <a:r>
               <a:rPr kumimoji="1" lang="zh-CN" altLang="en-US" dirty="0" smtClean="0"/>
-              <a:t>通常</a:t>
+              <a:t>适合场景</a:t>
             </a:r>
             <a:endParaRPr kumimoji="1" lang="en-US" altLang="zh-CN" dirty="0" smtClean="0"/>
           </a:p>
@@ -3502,157 +3514,32 @@
             <a:pPr lvl="1"/>
             <a:r>
               <a:rPr kumimoji="1" lang="zh-CN" altLang="en-US" dirty="0" smtClean="0"/>
-              <a:t>创建一个</a:t>
-            </a:r>
-            <a:r>
-              <a:rPr kumimoji="1" lang="en-US" altLang="zh-CN" dirty="0" err="1" smtClean="0"/>
-              <a:t>int</a:t>
+              <a:t>大数据标</a:t>
             </a:r>
             <a:r>
               <a:rPr kumimoji="1" lang="zh-CN" altLang="en-US" dirty="0" smtClean="0"/>
-              <a:t>的</a:t>
-            </a:r>
-            <a:r>
-              <a:rPr kumimoji="1" lang="en-US" altLang="zh-CN" dirty="0" smtClean="0"/>
-              <a:t>array</a:t>
-            </a:r>
+              <a:t>志位</a:t>
+            </a:r>
+            <a:endParaRPr kumimoji="1" lang="en-US" altLang="zh-CN" dirty="0" smtClean="0"/>
           </a:p>
           <a:p>
             <a:pPr lvl="1"/>
             <a:r>
               <a:rPr kumimoji="1" lang="zh-CN" altLang="en-US" dirty="0" smtClean="0"/>
-              <a:t>创建一个</a:t>
-            </a:r>
-            <a:r>
-              <a:rPr kumimoji="1" lang="en-US" altLang="zh-CN" dirty="0" err="1" smtClean="0"/>
-              <a:t>int</a:t>
+              <a:t>在索引，数据压缩等方面有广泛应</a:t>
             </a:r>
             <a:r>
               <a:rPr kumimoji="1" lang="zh-CN" altLang="en-US" dirty="0" smtClean="0"/>
-              <a:t>的</a:t>
-            </a:r>
-            <a:r>
-              <a:rPr kumimoji="1" lang="en-US" altLang="zh-CN" dirty="0" smtClean="0"/>
-              <a:t>map</a:t>
-            </a:r>
-          </a:p>
-          <a:p>
-            <a:pPr lvl="1"/>
-            <a:r>
-              <a:rPr kumimoji="1" lang="zh-CN" altLang="en-US" dirty="0" smtClean="0"/>
-              <a:t>用每个</a:t>
-            </a:r>
-            <a:r>
-              <a:rPr kumimoji="1" lang="en-US" altLang="zh-CN" dirty="0" err="1" smtClean="0"/>
-              <a:t>int</a:t>
-            </a:r>
-            <a:r>
-              <a:rPr kumimoji="1" lang="zh-CN" altLang="en-US" dirty="0" smtClean="0"/>
-              <a:t>来标记状态位</a:t>
+              <a:t>用</a:t>
             </a:r>
             <a:endParaRPr kumimoji="1" lang="en-US" altLang="zh-CN" dirty="0" smtClean="0"/>
-          </a:p>
-          <a:p>
-            <a:r>
-              <a:rPr kumimoji="1" lang="en-US" altLang="zh-CN" dirty="0" err="1" smtClean="0"/>
-              <a:t>BitMap</a:t>
-            </a:r>
-            <a:endParaRPr kumimoji="1" lang="en-US" altLang="zh-CN" dirty="0" smtClean="0"/>
-          </a:p>
-          <a:p>
-            <a:pPr lvl="1"/>
-            <a:r>
-              <a:rPr kumimoji="1" lang="zh-CN" altLang="en-US" dirty="0" smtClean="0"/>
-              <a:t>用每个</a:t>
-            </a:r>
-            <a:r>
-              <a:rPr kumimoji="1" lang="en-US" altLang="zh-CN" dirty="0" smtClean="0"/>
-              <a:t>bit</a:t>
-            </a:r>
-            <a:r>
-              <a:rPr kumimoji="1" lang="zh-CN" altLang="en-US" dirty="0" smtClean="0"/>
-              <a:t>来标识状态位</a:t>
-            </a:r>
-            <a:endParaRPr kumimoji="1" lang="en-US" altLang="zh-CN" dirty="0" smtClean="0"/>
-          </a:p>
-          <a:p>
-            <a:pPr lvl="1"/>
-            <a:r>
-              <a:rPr kumimoji="1" lang="en-US" altLang="zh-TW" dirty="0" err="1" smtClean="0"/>
-              <a:t>int</a:t>
-            </a:r>
-            <a:r>
-              <a:rPr kumimoji="1" lang="en-US" altLang="zh-TW" dirty="0" smtClean="0"/>
-              <a:t>[] a = new </a:t>
-            </a:r>
-            <a:r>
-              <a:rPr kumimoji="1" lang="en-US" altLang="zh-TW" dirty="0" err="1" smtClean="0"/>
-              <a:t>int</a:t>
-            </a:r>
-            <a:r>
-              <a:rPr kumimoji="1" lang="en-US" altLang="zh-TW" dirty="0" smtClean="0"/>
-              <a:t>[100000000]; </a:t>
-            </a:r>
-            <a:r>
-              <a:rPr kumimoji="1" lang="zh-TW" altLang="en-US" dirty="0" smtClean="0"/>
-              <a:t>每个</a:t>
-            </a:r>
-            <a:r>
-              <a:rPr kumimoji="1" lang="en-US" altLang="zh-TW" dirty="0" err="1" smtClean="0"/>
-              <a:t>int</a:t>
-            </a:r>
-            <a:r>
-              <a:rPr kumimoji="1" lang="zh-TW" altLang="en-US" dirty="0" smtClean="0"/>
-              <a:t>是</a:t>
-            </a:r>
-            <a:r>
-              <a:rPr kumimoji="1" lang="en-US" altLang="zh-TW" dirty="0" smtClean="0"/>
-              <a:t>8</a:t>
-            </a:r>
-            <a:r>
-              <a:rPr kumimoji="1" lang="zh-TW" altLang="en-US" dirty="0" smtClean="0"/>
-              <a:t>个</a:t>
-            </a:r>
-            <a:r>
-              <a:rPr kumimoji="1" lang="en-US" altLang="zh-TW" dirty="0" smtClean="0"/>
-              <a:t>bit </a:t>
-            </a:r>
-            <a:r>
-              <a:rPr kumimoji="1" lang="zh-TW" altLang="en-US" dirty="0" smtClean="0"/>
-              <a:t>用每个</a:t>
-            </a:r>
-            <a:r>
-              <a:rPr kumimoji="1" lang="en-US" altLang="zh-TW" dirty="0" smtClean="0"/>
-              <a:t>bit</a:t>
-            </a:r>
-            <a:r>
-              <a:rPr kumimoji="1" lang="zh-TW" altLang="en-US" dirty="0" smtClean="0"/>
-              <a:t>的</a:t>
-            </a:r>
-            <a:r>
-              <a:rPr kumimoji="1" lang="en-US" altLang="zh-TW" dirty="0" smtClean="0"/>
-              <a:t>0</a:t>
-            </a:r>
-            <a:r>
-              <a:rPr kumimoji="1" lang="zh-TW" altLang="en-US" dirty="0" smtClean="0"/>
-              <a:t>或</a:t>
-            </a:r>
-            <a:r>
-              <a:rPr kumimoji="1" lang="en-US" altLang="zh-TW" dirty="0" smtClean="0"/>
-              <a:t>1</a:t>
-            </a:r>
-            <a:r>
-              <a:rPr kumimoji="1" lang="zh-TW" altLang="en-US" dirty="0" smtClean="0"/>
-              <a:t>，来设定标志</a:t>
-            </a:r>
-            <a:endParaRPr kumimoji="1" lang="zh-CN" altLang="en-US" dirty="0"/>
           </a:p>
         </p:txBody>
       </p:sp>
     </p:spTree>
     <p:extLst>
       <p:ext uri="{BB962C8B-B14F-4D97-AF65-F5344CB8AC3E}">
-        <p14:creationId xmlns:p14="http://schemas.microsoft.com/office/powerpoint/2010/main" val="526287563"/>
+        <p14:creationId xmlns:p14="http://schemas.microsoft.com/office/powerpoint/2010/main" val="2470286136"/>
       </p:ext>
     </p:extLst>
   </p:cSld>
@@ -3703,8 +3590,461 @@
           <a:p>
             <a:pPr algn="l"/>
             <a:r>
+              <a:rPr kumimoji="1" lang="zh-CN" altLang="en-US" dirty="0" smtClean="0"/>
+              <a:t>为什么</a:t>
+            </a:r>
+            <a:r>
+              <a:rPr kumimoji="1" lang="en-US" altLang="zh-CN" dirty="0" err="1" smtClean="0"/>
+              <a:t>BitMap</a:t>
+            </a:r>
+            <a:r>
+              <a:rPr kumimoji="1" lang="zh-CN" altLang="en-US" dirty="0" smtClean="0"/>
+              <a:t>可以？</a:t>
+            </a:r>
+            <a:endParaRPr kumimoji="1" lang="zh-CN" altLang="en-US" dirty="0"/>
+          </a:p>
+        </p:txBody>
+      </p:sp>
+      <p:sp>
+        <p:nvSpPr>
+          <p:cNvPr id="3" name="内容占位符 2"/>
+          <p:cNvSpPr>
+            <a:spLocks noGrp="1"/>
+          </p:cNvSpPr>
+          <p:nvPr>
+            <p:ph idx="1"/>
+          </p:nvPr>
+        </p:nvSpPr>
+        <p:spPr/>
+        <p:txBody>
+          <a:bodyPr/>
+          <a:lstStyle/>
+          <a:p>
+            <a:r>
+              <a:rPr kumimoji="1" lang="zh-CN" altLang="en-US" dirty="0" smtClean="0"/>
+              <a:t>通常</a:t>
+            </a:r>
+            <a:endParaRPr kumimoji="1" lang="en-US" altLang="zh-CN" dirty="0" smtClean="0"/>
+          </a:p>
+          <a:p>
+            <a:pPr lvl="1"/>
+            <a:r>
+              <a:rPr kumimoji="1" lang="zh-CN" altLang="en-US" dirty="0" smtClean="0"/>
+              <a:t>创建一个</a:t>
+            </a:r>
+            <a:r>
+              <a:rPr kumimoji="1" lang="en-US" altLang="zh-CN" dirty="0" err="1" smtClean="0"/>
+              <a:t>int</a:t>
+            </a:r>
+            <a:r>
+              <a:rPr kumimoji="1" lang="zh-CN" altLang="en-US" dirty="0" smtClean="0"/>
+              <a:t>的</a:t>
+            </a:r>
+            <a:r>
               <a:rPr kumimoji="1" lang="en-US" altLang="zh-CN" dirty="0" smtClean="0"/>
-              <a:t>Code</a:t>
+              <a:t>array</a:t>
+            </a:r>
+            <a:endParaRPr kumimoji="1" lang="en-US" altLang="zh-CN" dirty="0" smtClean="0"/>
+          </a:p>
+          <a:p>
+            <a:pPr lvl="1"/>
+            <a:r>
+              <a:rPr kumimoji="1" lang="zh-CN" altLang="en-US" dirty="0" smtClean="0"/>
+              <a:t>创建一个</a:t>
+            </a:r>
+            <a:r>
+              <a:rPr kumimoji="1" lang="en-US" altLang="zh-CN" dirty="0" err="1" smtClean="0"/>
+              <a:t>int</a:t>
+            </a:r>
+            <a:r>
+              <a:rPr kumimoji="1" lang="zh-CN" altLang="en-US" dirty="0" smtClean="0"/>
+              <a:t>的</a:t>
+            </a:r>
+            <a:r>
+              <a:rPr kumimoji="1" lang="en-US" altLang="zh-CN" dirty="0" smtClean="0"/>
+              <a:t>map</a:t>
+            </a:r>
+          </a:p>
+          <a:p>
+            <a:pPr lvl="1"/>
+            <a:r>
+              <a:rPr kumimoji="1" lang="zh-CN" altLang="en-US" dirty="0" smtClean="0"/>
+              <a:t>用每个</a:t>
+            </a:r>
+            <a:r>
+              <a:rPr kumimoji="1" lang="en-US" altLang="zh-CN" dirty="0" err="1" smtClean="0"/>
+              <a:t>int</a:t>
+            </a:r>
+            <a:r>
+              <a:rPr kumimoji="1" lang="zh-CN" altLang="en-US" dirty="0" smtClean="0"/>
+              <a:t>来标记状态位</a:t>
+            </a:r>
+            <a:endParaRPr kumimoji="1" lang="en-US" altLang="zh-CN" dirty="0" smtClean="0"/>
+          </a:p>
+          <a:p>
+            <a:r>
+              <a:rPr kumimoji="1" lang="en-US" altLang="zh-CN" dirty="0" err="1" smtClean="0"/>
+              <a:t>BitMap</a:t>
+            </a:r>
+            <a:endParaRPr kumimoji="1" lang="en-US" altLang="zh-CN" dirty="0" smtClean="0"/>
+          </a:p>
+          <a:p>
+            <a:pPr lvl="1"/>
+            <a:r>
+              <a:rPr kumimoji="1" lang="zh-CN" altLang="en-US" dirty="0" smtClean="0"/>
+              <a:t>用每个</a:t>
+            </a:r>
+            <a:r>
+              <a:rPr kumimoji="1" lang="en-US" altLang="zh-CN" dirty="0" smtClean="0"/>
+              <a:t>bit</a:t>
+            </a:r>
+            <a:r>
+              <a:rPr kumimoji="1" lang="zh-CN" altLang="en-US" dirty="0" smtClean="0"/>
+              <a:t>来标识状态位</a:t>
+            </a:r>
+            <a:endParaRPr kumimoji="1" lang="en-US" altLang="zh-CN" dirty="0" smtClean="0"/>
+          </a:p>
+          <a:p>
+            <a:pPr lvl="1"/>
+            <a:r>
+              <a:rPr kumimoji="1" lang="en-US" altLang="zh-TW" dirty="0" err="1" smtClean="0"/>
+              <a:t>int</a:t>
+            </a:r>
+            <a:r>
+              <a:rPr kumimoji="1" lang="en-US" altLang="zh-TW" dirty="0" smtClean="0"/>
+              <a:t>[] a = new </a:t>
+            </a:r>
+            <a:r>
+              <a:rPr kumimoji="1" lang="en-US" altLang="zh-TW" dirty="0" err="1" smtClean="0"/>
+              <a:t>int</a:t>
+            </a:r>
+            <a:r>
+              <a:rPr kumimoji="1" lang="en-US" altLang="zh-TW" dirty="0" smtClean="0"/>
+              <a:t>[100000000]; </a:t>
+            </a:r>
+            <a:r>
+              <a:rPr kumimoji="1" lang="zh-TW" altLang="en-US" dirty="0" smtClean="0"/>
+              <a:t>每个</a:t>
+            </a:r>
+            <a:r>
+              <a:rPr kumimoji="1" lang="en-US" altLang="zh-TW" dirty="0" err="1" smtClean="0"/>
+              <a:t>int</a:t>
+            </a:r>
+            <a:r>
+              <a:rPr kumimoji="1" lang="zh-TW" altLang="en-US" dirty="0" smtClean="0"/>
+              <a:t>是</a:t>
+            </a:r>
+            <a:r>
+              <a:rPr kumimoji="1" lang="en-US" altLang="zh-TW" dirty="0" smtClean="0"/>
+              <a:t>8</a:t>
+            </a:r>
+            <a:r>
+              <a:rPr kumimoji="1" lang="zh-TW" altLang="en-US" dirty="0" smtClean="0"/>
+              <a:t>个</a:t>
+            </a:r>
+            <a:r>
+              <a:rPr kumimoji="1" lang="en-US" altLang="zh-TW" dirty="0" smtClean="0"/>
+              <a:t>bit </a:t>
+            </a:r>
+            <a:r>
+              <a:rPr kumimoji="1" lang="zh-TW" altLang="en-US" dirty="0" smtClean="0"/>
+              <a:t>用每个</a:t>
+            </a:r>
+            <a:r>
+              <a:rPr kumimoji="1" lang="en-US" altLang="zh-TW" dirty="0" smtClean="0"/>
+              <a:t>bit</a:t>
+            </a:r>
+            <a:r>
+              <a:rPr kumimoji="1" lang="zh-TW" altLang="en-US" dirty="0" smtClean="0"/>
+              <a:t>的</a:t>
+            </a:r>
+            <a:r>
+              <a:rPr kumimoji="1" lang="en-US" altLang="zh-TW" dirty="0" smtClean="0"/>
+              <a:t>0</a:t>
+            </a:r>
+            <a:r>
+              <a:rPr kumimoji="1" lang="zh-TW" altLang="en-US" dirty="0" smtClean="0"/>
+              <a:t>或</a:t>
+            </a:r>
+            <a:r>
+              <a:rPr kumimoji="1" lang="en-US" altLang="zh-TW" dirty="0" smtClean="0"/>
+              <a:t>1</a:t>
+            </a:r>
+            <a:r>
+              <a:rPr kumimoji="1" lang="zh-TW" altLang="en-US" dirty="0" smtClean="0"/>
+              <a:t>，来设定标志</a:t>
+            </a:r>
+            <a:endParaRPr kumimoji="1" lang="zh-CN" altLang="en-US" dirty="0"/>
+          </a:p>
+        </p:txBody>
+      </p:sp>
+      <p:sp>
+        <p:nvSpPr>
+          <p:cNvPr id="4" name="文本框 3"/>
+          <p:cNvSpPr txBox="1"/>
+          <p:nvPr/>
+        </p:nvSpPr>
+        <p:spPr>
+          <a:xfrm>
+            <a:off x="5567762" y="2415468"/>
+            <a:ext cx="2426682" cy="1446550"/>
+          </a:xfrm>
+          <a:prstGeom prst="rect">
+            <a:avLst/>
+          </a:prstGeom>
+          <a:noFill/>
+        </p:spPr>
+        <p:txBody>
+          <a:bodyPr wrap="square" rtlCol="0">
+            <a:spAutoFit/>
+          </a:bodyPr>
+          <a:lstStyle/>
+          <a:p>
+            <a:r>
+              <a:rPr kumimoji="1" lang="zh-CN" altLang="en-US" sz="4400" dirty="0" smtClean="0">
+                <a:solidFill>
+                  <a:srgbClr val="008000"/>
+                </a:solidFill>
+              </a:rPr>
+              <a:t>数量</a:t>
+            </a:r>
+            <a:r>
+              <a:rPr kumimoji="1" lang="zh-CN" altLang="en-US" sz="4400" dirty="0" smtClean="0">
+                <a:solidFill>
+                  <a:srgbClr val="FF0000"/>
+                </a:solidFill>
+              </a:rPr>
+              <a:t>亿！</a:t>
+            </a:r>
+            <a:endParaRPr kumimoji="1" lang="en-US" altLang="zh-CN" sz="4400" dirty="0" smtClean="0">
+              <a:solidFill>
+                <a:srgbClr val="FF0000"/>
+              </a:solidFill>
+            </a:endParaRPr>
+          </a:p>
+          <a:p>
+            <a:r>
+              <a:rPr kumimoji="1" lang="zh-CN" altLang="en-US" sz="4400" dirty="0" smtClean="0">
+                <a:solidFill>
+                  <a:srgbClr val="008000"/>
+                </a:solidFill>
+              </a:rPr>
+              <a:t>内存</a:t>
+            </a:r>
+            <a:r>
+              <a:rPr kumimoji="1" lang="en-US" altLang="zh-CN" sz="4400" dirty="0" smtClean="0">
+                <a:solidFill>
+                  <a:srgbClr val="FF0000"/>
+                </a:solidFill>
+              </a:rPr>
+              <a:t>G</a:t>
+            </a:r>
+            <a:r>
+              <a:rPr kumimoji="1" lang="zh-CN" altLang="en-US" sz="4400" dirty="0" smtClean="0">
+                <a:solidFill>
+                  <a:srgbClr val="FF0000"/>
+                </a:solidFill>
+              </a:rPr>
+              <a:t>！</a:t>
+            </a:r>
+            <a:endParaRPr kumimoji="1" lang="zh-CN" altLang="en-US" sz="4400" dirty="0">
+              <a:solidFill>
+                <a:srgbClr val="FF0000"/>
+              </a:solidFill>
+            </a:endParaRPr>
+          </a:p>
+        </p:txBody>
+      </p:sp>
+    </p:spTree>
+    <p:extLst>
+      <p:ext uri="{BB962C8B-B14F-4D97-AF65-F5344CB8AC3E}">
+        <p14:creationId xmlns:p14="http://schemas.microsoft.com/office/powerpoint/2010/main" val="526287563"/>
+      </p:ext>
+    </p:extLst>
+  </p:cSld>
+  <p:clrMapOvr>
+    <a:masterClrMapping/>
+  </p:clrMapOvr>
+  <p:timing>
+    <p:tnLst>
+      <p:par>
+        <p:cTn xmlns:p14="http://schemas.microsoft.com/office/powerpoint/2010/main" id="1" dur="indefinite" restart="never" nodeType="tmRoot"/>
+      </p:par>
+    </p:tnLst>
+  </p:timing>
+</p:sld>
+</file>
+
+<file path=ppt/slides/slide6.xml><?xml version="1.0" encoding="utf-8"?>
+<p:sld xmlns:a="http://schemas.openxmlformats.org/drawingml/2006/main" xmlns:r="http://schemas.openxmlformats.org/officeDocument/2006/relationships" xmlns:p="http://schemas.openxmlformats.org/presentationml/2006/main">
+  <p:cSld>
+    <p:spTree>
+      <p:nvGrpSpPr>
+        <p:cNvPr id="1" name=""/>
+        <p:cNvGrpSpPr/>
+        <p:nvPr/>
+      </p:nvGrpSpPr>
+      <p:grpSpPr>
+        <a:xfrm>
+          <a:off x="0" y="0"/>
+          <a:ext cx="0" cy="0"/>
+          <a:chOff x="0" y="0"/>
+          <a:chExt cx="0" cy="0"/>
+        </a:xfrm>
+      </p:grpSpPr>
+      <p:sp>
+        <p:nvSpPr>
+          <p:cNvPr id="2" name="标题 1"/>
+          <p:cNvSpPr>
+            <a:spLocks noGrp="1"/>
+          </p:cNvSpPr>
+          <p:nvPr>
+            <p:ph type="title"/>
+          </p:nvPr>
+        </p:nvSpPr>
+        <p:spPr/>
+        <p:txBody>
+          <a:bodyPr/>
+          <a:lstStyle/>
+          <a:p>
+            <a:pPr algn="l"/>
+            <a:r>
+              <a:rPr kumimoji="1" lang="zh-CN" altLang="en-US" dirty="0"/>
+              <a:t>为什么</a:t>
+            </a:r>
+            <a:r>
+              <a:rPr kumimoji="1" lang="en-US" altLang="zh-CN" dirty="0" err="1"/>
+              <a:t>BitMap</a:t>
+            </a:r>
+            <a:r>
+              <a:rPr kumimoji="1" lang="zh-CN" altLang="en-US" dirty="0"/>
+              <a:t>可以？</a:t>
+            </a:r>
+            <a:endParaRPr kumimoji="1" lang="zh-CN" altLang="en-US" dirty="0"/>
+          </a:p>
+        </p:txBody>
+      </p:sp>
+      <p:pic>
+        <p:nvPicPr>
+          <p:cNvPr id="6" name="内容占位符 5"/>
+          <p:cNvPicPr>
+            <a:picLocks noGrp="1" noChangeAspect="1"/>
+          </p:cNvPicPr>
+          <p:nvPr>
+            <p:ph idx="1"/>
+          </p:nvPr>
+        </p:nvPicPr>
+        <p:blipFill>
+          <a:blip r:embed="rId2"/>
+          <a:srcRect l="-19072" r="-19072"/>
+          <a:stretch>
+            <a:fillRect/>
+          </a:stretch>
+        </p:blipFill>
+        <p:spPr>
+          <a:xfrm>
+            <a:off x="366480" y="1417638"/>
+            <a:ext cx="8561554" cy="4708525"/>
+          </a:xfrm>
+        </p:spPr>
+      </p:pic>
+      <p:sp>
+        <p:nvSpPr>
+          <p:cNvPr id="3" name="文本框 2"/>
+          <p:cNvSpPr txBox="1"/>
+          <p:nvPr/>
+        </p:nvSpPr>
+        <p:spPr>
+          <a:xfrm>
+            <a:off x="6565650" y="1236084"/>
+            <a:ext cx="850473" cy="646331"/>
+          </a:xfrm>
+          <a:prstGeom prst="rect">
+            <a:avLst/>
+          </a:prstGeom>
+          <a:noFill/>
+        </p:spPr>
+        <p:txBody>
+          <a:bodyPr wrap="square" rtlCol="0">
+            <a:spAutoFit/>
+          </a:bodyPr>
+          <a:lstStyle/>
+          <a:p>
+            <a:r>
+              <a:rPr kumimoji="1" lang="en-US" altLang="zh-CN" dirty="0" smtClean="0"/>
+              <a:t>*G/16</a:t>
+            </a:r>
+            <a:br>
+              <a:rPr kumimoji="1" lang="en-US" altLang="zh-CN" dirty="0" smtClean="0"/>
+            </a:br>
+            <a:r>
+              <a:rPr kumimoji="1" lang="en-US" altLang="zh-CN" dirty="0" smtClean="0"/>
+              <a:t>*G/32</a:t>
+            </a:r>
+            <a:endParaRPr kumimoji="1" lang="zh-CN" altLang="en-US" dirty="0"/>
+          </a:p>
+        </p:txBody>
+      </p:sp>
+    </p:spTree>
+    <p:extLst>
+      <p:ext uri="{BB962C8B-B14F-4D97-AF65-F5344CB8AC3E}">
+        <p14:creationId xmlns:p14="http://schemas.microsoft.com/office/powerpoint/2010/main" val="3573600702"/>
+      </p:ext>
+    </p:extLst>
+  </p:cSld>
+  <p:clrMapOvr>
+    <a:masterClrMapping/>
+  </p:clrMapOvr>
+  <p:timing>
+    <p:tnLst>
+      <p:par>
+        <p:cTn xmlns:p14="http://schemas.microsoft.com/office/powerpoint/2010/main" id="1" dur="indefinite" restart="never" nodeType="tmRoot"/>
+      </p:par>
+    </p:tnLst>
+  </p:timing>
+</p:sld>
+</file>
+
+<file path=ppt/slides/slide7.xml><?xml version="1.0" encoding="utf-8"?>
+<p:sld xmlns:a="http://schemas.openxmlformats.org/drawingml/2006/main" xmlns:r="http://schemas.openxmlformats.org/officeDocument/2006/relationships" xmlns:p="http://schemas.openxmlformats.org/presentationml/2006/main">
+  <p:cSld>
+    <p:spTree>
+      <p:nvGrpSpPr>
+        <p:cNvPr id="1" name=""/>
+        <p:cNvGrpSpPr/>
+        <p:nvPr/>
+      </p:nvGrpSpPr>
+      <p:grpSpPr>
+        <a:xfrm>
+          <a:off x="0" y="0"/>
+          <a:ext cx="0" cy="0"/>
+          <a:chOff x="0" y="0"/>
+          <a:chExt cx="0" cy="0"/>
+        </a:xfrm>
+      </p:grpSpPr>
+      <p:sp>
+        <p:nvSpPr>
+          <p:cNvPr id="2" name="标题 1"/>
+          <p:cNvSpPr>
+            <a:spLocks noGrp="1"/>
+          </p:cNvSpPr>
+          <p:nvPr>
+            <p:ph type="title"/>
+          </p:nvPr>
+        </p:nvSpPr>
+        <p:spPr/>
+        <p:txBody>
+          <a:bodyPr/>
+          <a:lstStyle/>
+          <a:p>
+            <a:pPr algn="l"/>
+            <a:r>
+              <a:rPr kumimoji="1" lang="en-US" altLang="zh-CN" dirty="0" smtClean="0"/>
+              <a:t>Bit</a:t>
+            </a:r>
+            <a:r>
+              <a:rPr kumimoji="1" lang="zh-CN" altLang="en-US" dirty="0" smtClean="0"/>
+              <a:t>操作</a:t>
             </a:r>
             <a:endParaRPr kumimoji="1" lang="zh-CN" altLang="en-US" dirty="0"/>
           </a:p>
@@ -3754,7 +4094,7 @@
 </p:sld>
 </file>
 
-<file path=ppt/slides/slide6.xml><?xml version="1.0" encoding="utf-8"?>
+<file path=ppt/slides/slide8.xml><?xml version="1.0" encoding="utf-8"?>
 <p:sld xmlns:a="http://schemas.openxmlformats.org/drawingml/2006/main" xmlns:r="http://schemas.openxmlformats.org/officeDocument/2006/relationships" xmlns:p="http://schemas.openxmlformats.org/presentationml/2006/main">
   <p:cSld>
     <p:spTree>
@@ -3789,7 +4129,7 @@
             <a:pPr algn="l"/>
             <a:r>
               <a:rPr kumimoji="1" lang="en-US" altLang="zh-CN" dirty="0" smtClean="0"/>
-              <a:t>More</a:t>
+              <a:t>More?</a:t>
             </a:r>
             <a:endParaRPr kumimoji="1" lang="zh-CN" altLang="en-US" dirty="0"/>
           </a:p>
@@ -3831,6 +4171,104 @@
       </p:par>
     </p:tnLst>
   </p:timing>
+</p:sld>
+</file>
+
+<file path=ppt/slides/slide9.xml><?xml version="1.0" encoding="utf-8"?>
+<p:sld xmlns:a="http://schemas.openxmlformats.org/drawingml/2006/main" xmlns:r="http://schemas.openxmlformats.org/officeDocument/2006/relationships" xmlns:p="http://schemas.openxmlformats.org/presentationml/2006/main">
+  <p:cSld>
+    <p:spTree>
+      <p:nvGrpSpPr>
+        <p:cNvPr id="1" name=""/>
+        <p:cNvGrpSpPr/>
+        <p:nvPr/>
+      </p:nvGrpSpPr>
+      <p:grpSpPr>
+        <a:xfrm>
+          <a:off x="0" y="0"/>
+          <a:ext cx="0" cy="0"/>
+          <a:chOff x="0" y="0"/>
+          <a:chExt cx="0" cy="0"/>
+        </a:xfrm>
+      </p:grpSpPr>
+      <p:sp>
+        <p:nvSpPr>
+          <p:cNvPr id="2" name="标题 1"/>
+          <p:cNvSpPr>
+            <a:spLocks noGrp="1"/>
+          </p:cNvSpPr>
+          <p:nvPr>
+            <p:ph type="title"/>
+          </p:nvPr>
+        </p:nvSpPr>
+        <p:spPr/>
+        <p:txBody>
+          <a:bodyPr/>
+          <a:lstStyle/>
+          <a:p>
+            <a:endParaRPr kumimoji="1" lang="zh-CN" altLang="en-US"/>
+          </a:p>
+        </p:txBody>
+      </p:sp>
+      <p:sp>
+        <p:nvSpPr>
+          <p:cNvPr id="3" name="内容占位符 2"/>
+          <p:cNvSpPr>
+            <a:spLocks noGrp="1"/>
+          </p:cNvSpPr>
+          <p:nvPr>
+            <p:ph idx="1"/>
+          </p:nvPr>
+        </p:nvSpPr>
+        <p:spPr/>
+        <p:txBody>
+          <a:bodyPr/>
+          <a:lstStyle/>
+          <a:p>
+            <a:endParaRPr kumimoji="1" lang="zh-CN" altLang="en-US" dirty="0"/>
+          </a:p>
+        </p:txBody>
+      </p:sp>
+      <p:sp>
+        <p:nvSpPr>
+          <p:cNvPr id="4" name="文本框 3"/>
+          <p:cNvSpPr txBox="1"/>
+          <p:nvPr/>
+        </p:nvSpPr>
+        <p:spPr>
+          <a:xfrm>
+            <a:off x="3946194" y="2676292"/>
+            <a:ext cx="1247360" cy="707886"/>
+          </a:xfrm>
+          <a:prstGeom prst="rect">
+            <a:avLst/>
+          </a:prstGeom>
+          <a:noFill/>
+        </p:spPr>
+        <p:txBody>
+          <a:bodyPr wrap="square" rtlCol="0">
+            <a:spAutoFit/>
+          </a:bodyPr>
+          <a:lstStyle/>
+          <a:p>
+            <a:r>
+              <a:rPr kumimoji="1" lang="en-US" altLang="zh-CN" sz="4000" dirty="0" smtClean="0"/>
+              <a:t>END</a:t>
+            </a:r>
+            <a:endParaRPr kumimoji="1" lang="zh-CN" altLang="en-US" sz="4000" dirty="0"/>
+          </a:p>
+        </p:txBody>
+      </p:sp>
+    </p:spTree>
+    <p:extLst>
+      <p:ext uri="{BB962C8B-B14F-4D97-AF65-F5344CB8AC3E}">
+        <p14:creationId xmlns:p14="http://schemas.microsoft.com/office/powerpoint/2010/main" val="3729247851"/>
+      </p:ext>
+    </p:extLst>
+  </p:cSld>
+  <p:clrMapOvr>
+    <a:masterClrMapping/>
+  </p:clrMapOvr>
 </p:sld>
 </file>
 
